--- a/Final/IsingPresentation.pptx
+++ b/Final/IsingPresentation.pptx
@@ -216,7 +216,7 @@
           <a:p>
             <a:fld id="{EAE6596F-C6B9-41C0-9D29-632F25B3B73E}" type="datetimeFigureOut">
               <a:rPr lang="en-US" smtClean="0"/>
-              <a:t>4/29/2017</a:t>
+              <a:t>5/1/2017</a:t>
             </a:fld>
             <a:endParaRPr lang="en-US"/>
           </a:p>
@@ -794,7 +794,7 @@
           <a:p>
             <a:fld id="{0A1C3A29-7CBA-4D64-84C9-79CF2551DE80}" type="datetime1">
               <a:rPr lang="en-US" smtClean="0"/>
-              <a:t>4/29/2017</a:t>
+              <a:t>5/1/2017</a:t>
             </a:fld>
             <a:endParaRPr lang="en-US"/>
           </a:p>
@@ -1002,7 +1002,7 @@
           <a:p>
             <a:fld id="{3CC9BEB2-B25C-4AC5-96FF-0AF04ECBA0B0}" type="datetime1">
               <a:rPr lang="en-US" smtClean="0"/>
-              <a:t>4/29/2017</a:t>
+              <a:t>5/1/2017</a:t>
             </a:fld>
             <a:endParaRPr lang="en-US"/>
           </a:p>
@@ -1258,7 +1258,7 @@
           <a:p>
             <a:fld id="{9305E444-7EF2-47BC-BDD5-EF04DFD567A0}" type="datetime1">
               <a:rPr lang="en-US" smtClean="0"/>
-              <a:t>4/29/2017</a:t>
+              <a:t>5/1/2017</a:t>
             </a:fld>
             <a:endParaRPr lang="en-US"/>
           </a:p>
@@ -1428,7 +1428,7 @@
           <a:p>
             <a:fld id="{1524D375-4D1C-4BA5-B8DB-28C56D3F820A}" type="datetime1">
               <a:rPr lang="en-US" smtClean="0"/>
-              <a:t>4/29/2017</a:t>
+              <a:t>5/1/2017</a:t>
             </a:fld>
             <a:endParaRPr lang="en-US"/>
           </a:p>
@@ -1771,7 +1771,7 @@
           <a:p>
             <a:fld id="{6977BF7C-B210-4735-B839-AF3CECBE6454}" type="datetime1">
               <a:rPr lang="en-US" smtClean="0"/>
-              <a:t>4/29/2017</a:t>
+              <a:t>5/1/2017</a:t>
             </a:fld>
             <a:endParaRPr lang="en-US"/>
           </a:p>
@@ -2046,7 +2046,7 @@
           <a:p>
             <a:fld id="{1AEFAF19-87DC-43BA-9D4C-C14F30AD8EC8}" type="datetime1">
               <a:rPr lang="en-US" smtClean="0"/>
-              <a:t>4/29/2017</a:t>
+              <a:t>5/1/2017</a:t>
             </a:fld>
             <a:endParaRPr lang="en-US"/>
           </a:p>
@@ -2425,7 +2425,7 @@
           <a:p>
             <a:fld id="{302504F5-1EAF-4B4E-8A8B-E5A25AB3D3D9}" type="datetime1">
               <a:rPr lang="en-US" smtClean="0"/>
-              <a:t>4/29/2017</a:t>
+              <a:t>5/1/2017</a:t>
             </a:fld>
             <a:endParaRPr lang="en-US"/>
           </a:p>
@@ -2543,7 +2543,7 @@
           <a:p>
             <a:fld id="{6F1377DD-1B6C-4E82-A98E-EF6E568E7F44}" type="datetime1">
               <a:rPr lang="en-US" smtClean="0"/>
-              <a:t>4/29/2017</a:t>
+              <a:t>5/1/2017</a:t>
             </a:fld>
             <a:endParaRPr lang="en-US"/>
           </a:p>
@@ -2714,7 +2714,7 @@
           <a:p>
             <a:fld id="{6BBE3D25-BB1F-4781-8C79-22A46D956F0C}" type="datetime1">
               <a:rPr lang="en-US" smtClean="0"/>
-              <a:t>4/29/2017</a:t>
+              <a:t>5/1/2017</a:t>
             </a:fld>
             <a:endParaRPr lang="en-US"/>
           </a:p>
@@ -3068,7 +3068,7 @@
           <a:p>
             <a:fld id="{050198D3-1069-4A0B-A4F6-40F19D6D41FE}" type="datetime1">
               <a:rPr lang="en-US" smtClean="0"/>
-              <a:t>4/29/2017</a:t>
+              <a:t>5/1/2017</a:t>
             </a:fld>
             <a:endParaRPr lang="en-US"/>
           </a:p>
@@ -3445,7 +3445,7 @@
           <a:p>
             <a:fld id="{3BC8E0B3-715D-4567-B35B-0E42DE3EFC83}" type="datetime1">
               <a:rPr lang="en-US" smtClean="0"/>
-              <a:t>4/29/2017</a:t>
+              <a:t>5/1/2017</a:t>
             </a:fld>
             <a:endParaRPr lang="en-US"/>
           </a:p>
@@ -3732,7 +3732,7 @@
           <a:p>
             <a:fld id="{B2E2FF96-3B07-4DD8-AFCC-0DA78456395D}" type="datetime1">
               <a:rPr lang="en-US" smtClean="0"/>
-              <a:t>4/29/2017</a:t>
+              <a:t>5/1/2017</a:t>
             </a:fld>
             <a:endParaRPr lang="en-US"/>
           </a:p>
@@ -4814,8 +4814,8 @@
           </a:p>
         </p:txBody>
       </p:sp>
-      <mc:AlternateContent xmlns:mc="http://schemas.openxmlformats.org/markup-compatibility/2006" xmlns:a14="http://schemas.microsoft.com/office/drawing/2010/main">
-        <mc:Choice Requires="a14">
+      <mc:AlternateContent xmlns:mc="http://schemas.openxmlformats.org/markup-compatibility/2006">
+        <mc:Choice xmlns:a14="http://schemas.microsoft.com/office/drawing/2010/main" Requires="a14">
           <p:sp>
             <p:nvSpPr>
               <p:cNvPr id="8" name="Content Placeholder 5"/>
@@ -5019,7 +5019,11 @@
                 </a:r>
                 <a:r>
                   <a:rPr lang="en-US" sz="1400" dirty="0"/>
-                  <a:t>these steps for each desired Monte Carlo iteration at every desired energy</a:t>
+                  <a:t>these steps for each desired Monte Carlo iteration at every desired </a:t>
+                </a:r>
+                <a:r>
+                  <a:rPr lang="en-US" sz="1400" dirty="0" smtClean="0"/>
+                  <a:t>temperature</a:t>
                 </a:r>
                 <a:r>
                   <a:rPr lang="en-US" sz="1400" dirty="0" smtClean="0"/>
@@ -5030,7 +5034,7 @@
             </p:txBody>
           </p:sp>
         </mc:Choice>
-        <mc:Fallback xmlns="">
+        <mc:Fallback>
           <p:sp>
             <p:nvSpPr>
               <p:cNvPr id="8" name="Content Placeholder 5"/>
@@ -5835,6 +5839,286 @@
           </a:p>
         </p:txBody>
       </p:sp>
+      <p:cxnSp>
+        <p:nvCxnSpPr>
+          <p:cNvPr id="4" name="Straight Connector 3"/>
+          <p:cNvCxnSpPr/>
+          <p:nvPr/>
+        </p:nvCxnSpPr>
+        <p:spPr>
+          <a:xfrm>
+            <a:off x="4022763" y="3527078"/>
+            <a:ext cx="101132" cy="0"/>
+          </a:xfrm>
+          <a:prstGeom prst="line">
+            <a:avLst/>
+          </a:prstGeom>
+          <a:ln w="38100">
+            <a:solidFill>
+              <a:schemeClr val="tx1"/>
+            </a:solidFill>
+          </a:ln>
+        </p:spPr>
+        <p:style>
+          <a:lnRef idx="1">
+            <a:schemeClr val="accent1"/>
+          </a:lnRef>
+          <a:fillRef idx="0">
+            <a:schemeClr val="accent1"/>
+          </a:fillRef>
+          <a:effectRef idx="0">
+            <a:schemeClr val="accent1"/>
+          </a:effectRef>
+          <a:fontRef idx="minor">
+            <a:schemeClr val="tx1"/>
+          </a:fontRef>
+        </p:style>
+      </p:cxnSp>
+      <p:cxnSp>
+        <p:nvCxnSpPr>
+          <p:cNvPr id="10" name="Straight Connector 9"/>
+          <p:cNvCxnSpPr/>
+          <p:nvPr/>
+        </p:nvCxnSpPr>
+        <p:spPr>
+          <a:xfrm>
+            <a:off x="4022763" y="3663031"/>
+            <a:ext cx="101132" cy="0"/>
+          </a:xfrm>
+          <a:prstGeom prst="line">
+            <a:avLst/>
+          </a:prstGeom>
+          <a:ln w="38100">
+            <a:solidFill>
+              <a:srgbClr val="C00000"/>
+            </a:solidFill>
+          </a:ln>
+        </p:spPr>
+        <p:style>
+          <a:lnRef idx="1">
+            <a:schemeClr val="accent1"/>
+          </a:lnRef>
+          <a:fillRef idx="0">
+            <a:schemeClr val="accent1"/>
+          </a:fillRef>
+          <a:effectRef idx="0">
+            <a:schemeClr val="accent1"/>
+          </a:effectRef>
+          <a:fontRef idx="minor">
+            <a:schemeClr val="tx1"/>
+          </a:fontRef>
+        </p:style>
+      </p:cxnSp>
+      <p:cxnSp>
+        <p:nvCxnSpPr>
+          <p:cNvPr id="11" name="Straight Connector 10"/>
+          <p:cNvCxnSpPr/>
+          <p:nvPr/>
+        </p:nvCxnSpPr>
+        <p:spPr>
+          <a:xfrm>
+            <a:off x="4026244" y="3792407"/>
+            <a:ext cx="101132" cy="0"/>
+          </a:xfrm>
+          <a:prstGeom prst="line">
+            <a:avLst/>
+          </a:prstGeom>
+          <a:ln w="38100">
+            <a:solidFill>
+              <a:srgbClr val="92D050"/>
+            </a:solidFill>
+          </a:ln>
+        </p:spPr>
+        <p:style>
+          <a:lnRef idx="1">
+            <a:schemeClr val="accent1"/>
+          </a:lnRef>
+          <a:fillRef idx="0">
+            <a:schemeClr val="accent1"/>
+          </a:fillRef>
+          <a:effectRef idx="0">
+            <a:schemeClr val="accent1"/>
+          </a:effectRef>
+          <a:fontRef idx="minor">
+            <a:schemeClr val="tx1"/>
+          </a:fontRef>
+        </p:style>
+      </p:cxnSp>
+      <p:cxnSp>
+        <p:nvCxnSpPr>
+          <p:cNvPr id="12" name="Straight Connector 11"/>
+          <p:cNvCxnSpPr/>
+          <p:nvPr/>
+        </p:nvCxnSpPr>
+        <p:spPr>
+          <a:xfrm>
+            <a:off x="4022763" y="3938229"/>
+            <a:ext cx="101132" cy="0"/>
+          </a:xfrm>
+          <a:prstGeom prst="line">
+            <a:avLst/>
+          </a:prstGeom>
+          <a:ln w="38100">
+            <a:solidFill>
+              <a:srgbClr val="0070C0"/>
+            </a:solidFill>
+          </a:ln>
+        </p:spPr>
+        <p:style>
+          <a:lnRef idx="1">
+            <a:schemeClr val="accent1"/>
+          </a:lnRef>
+          <a:fillRef idx="0">
+            <a:schemeClr val="accent1"/>
+          </a:fillRef>
+          <a:effectRef idx="0">
+            <a:schemeClr val="accent1"/>
+          </a:effectRef>
+          <a:fontRef idx="minor">
+            <a:schemeClr val="tx1"/>
+          </a:fontRef>
+        </p:style>
+      </p:cxnSp>
+      <p:cxnSp>
+        <p:nvCxnSpPr>
+          <p:cNvPr id="13" name="Straight Connector 12"/>
+          <p:cNvCxnSpPr/>
+          <p:nvPr/>
+        </p:nvCxnSpPr>
+        <p:spPr>
+          <a:xfrm>
+            <a:off x="9332641" y="3718949"/>
+            <a:ext cx="101132" cy="0"/>
+          </a:xfrm>
+          <a:prstGeom prst="line">
+            <a:avLst/>
+          </a:prstGeom>
+          <a:ln w="38100">
+            <a:solidFill>
+              <a:schemeClr val="tx1"/>
+            </a:solidFill>
+          </a:ln>
+        </p:spPr>
+        <p:style>
+          <a:lnRef idx="1">
+            <a:schemeClr val="accent1"/>
+          </a:lnRef>
+          <a:fillRef idx="0">
+            <a:schemeClr val="accent1"/>
+          </a:fillRef>
+          <a:effectRef idx="0">
+            <a:schemeClr val="accent1"/>
+          </a:effectRef>
+          <a:fontRef idx="minor">
+            <a:schemeClr val="tx1"/>
+          </a:fontRef>
+        </p:style>
+      </p:cxnSp>
+      <p:cxnSp>
+        <p:nvCxnSpPr>
+          <p:cNvPr id="14" name="Straight Connector 13"/>
+          <p:cNvCxnSpPr/>
+          <p:nvPr/>
+        </p:nvCxnSpPr>
+        <p:spPr>
+          <a:xfrm>
+            <a:off x="9332641" y="3854902"/>
+            <a:ext cx="101132" cy="0"/>
+          </a:xfrm>
+          <a:prstGeom prst="line">
+            <a:avLst/>
+          </a:prstGeom>
+          <a:ln w="38100">
+            <a:solidFill>
+              <a:srgbClr val="C00000"/>
+            </a:solidFill>
+          </a:ln>
+        </p:spPr>
+        <p:style>
+          <a:lnRef idx="1">
+            <a:schemeClr val="accent1"/>
+          </a:lnRef>
+          <a:fillRef idx="0">
+            <a:schemeClr val="accent1"/>
+          </a:fillRef>
+          <a:effectRef idx="0">
+            <a:schemeClr val="accent1"/>
+          </a:effectRef>
+          <a:fontRef idx="minor">
+            <a:schemeClr val="tx1"/>
+          </a:fontRef>
+        </p:style>
+      </p:cxnSp>
+      <p:cxnSp>
+        <p:nvCxnSpPr>
+          <p:cNvPr id="15" name="Straight Connector 14"/>
+          <p:cNvCxnSpPr/>
+          <p:nvPr/>
+        </p:nvCxnSpPr>
+        <p:spPr>
+          <a:xfrm>
+            <a:off x="9336122" y="3984278"/>
+            <a:ext cx="101132" cy="0"/>
+          </a:xfrm>
+          <a:prstGeom prst="line">
+            <a:avLst/>
+          </a:prstGeom>
+          <a:ln w="38100">
+            <a:solidFill>
+              <a:srgbClr val="92D050"/>
+            </a:solidFill>
+          </a:ln>
+        </p:spPr>
+        <p:style>
+          <a:lnRef idx="1">
+            <a:schemeClr val="accent1"/>
+          </a:lnRef>
+          <a:fillRef idx="0">
+            <a:schemeClr val="accent1"/>
+          </a:fillRef>
+          <a:effectRef idx="0">
+            <a:schemeClr val="accent1"/>
+          </a:effectRef>
+          <a:fontRef idx="minor">
+            <a:schemeClr val="tx1"/>
+          </a:fontRef>
+        </p:style>
+      </p:cxnSp>
+      <p:cxnSp>
+        <p:nvCxnSpPr>
+          <p:cNvPr id="16" name="Straight Connector 15"/>
+          <p:cNvCxnSpPr/>
+          <p:nvPr/>
+        </p:nvCxnSpPr>
+        <p:spPr>
+          <a:xfrm>
+            <a:off x="9332641" y="4130100"/>
+            <a:ext cx="101132" cy="0"/>
+          </a:xfrm>
+          <a:prstGeom prst="line">
+            <a:avLst/>
+          </a:prstGeom>
+          <a:ln w="38100">
+            <a:solidFill>
+              <a:srgbClr val="0070C0"/>
+            </a:solidFill>
+          </a:ln>
+        </p:spPr>
+        <p:style>
+          <a:lnRef idx="1">
+            <a:schemeClr val="accent1"/>
+          </a:lnRef>
+          <a:fillRef idx="0">
+            <a:schemeClr val="accent1"/>
+          </a:fillRef>
+          <a:effectRef idx="0">
+            <a:schemeClr val="accent1"/>
+          </a:effectRef>
+          <a:fontRef idx="minor">
+            <a:schemeClr val="tx1"/>
+          </a:fontRef>
+        </p:style>
+      </p:cxnSp>
     </p:spTree>
     <p:extLst>
       <p:ext uri="{BB962C8B-B14F-4D97-AF65-F5344CB8AC3E}">
@@ -5915,8 +6199,13 @@
             </a:pPr>
             <a:r>
               <a:rPr lang="en-US" dirty="0" smtClean="0"/>
-              <a:t> We can study the number of accepted spin configurations as a function of MCS at different temperature</a:t>
-            </a:r>
+              <a:t> We can study the number of accepted spin configurations as a function of MCS at different </a:t>
+            </a:r>
+            <a:r>
+              <a:rPr lang="en-US" dirty="0" smtClean="0"/>
+              <a:t>temperatures</a:t>
+            </a:r>
+            <a:endParaRPr lang="en-US" dirty="0" smtClean="0"/>
           </a:p>
           <a:p>
             <a:pPr>
@@ -7239,7 +7528,6 @@
               <a:rPr lang="en-US" dirty="0" smtClean="0"/>
               <a:t> 100,000 cycles at step size of 0.03</a:t>
             </a:r>
-            <a:endParaRPr lang="en-US" dirty="0" smtClean="0"/>
           </a:p>
         </p:txBody>
       </p:sp>
@@ -7660,7 +7948,6 @@
               <a:rPr lang="en-US" dirty="0" smtClean="0"/>
               <a:t> 100,000 cycles at step size of 0.03</a:t>
             </a:r>
-            <a:endParaRPr lang="en-US" dirty="0" smtClean="0"/>
           </a:p>
         </p:txBody>
       </p:sp>
@@ -8081,7 +8368,6 @@
               <a:rPr lang="en-US" dirty="0" smtClean="0"/>
               <a:t> 1,000,000 cycles at step size of 0.005</a:t>
             </a:r>
-            <a:endParaRPr lang="en-US" dirty="0" smtClean="0"/>
           </a:p>
         </p:txBody>
       </p:sp>
@@ -8420,7 +8706,11 @@
             </a:pPr>
             <a:r>
               <a:rPr lang="en-US" dirty="0" smtClean="0"/>
-              <a:t>Monte Carlo Methods and the Metropolis Algorithm</a:t>
+              <a:t> Monte </a:t>
+            </a:r>
+            <a:r>
+              <a:rPr lang="en-US" dirty="0" smtClean="0"/>
+              <a:t>Carlo Methods and the Metropolis Algorithm</a:t>
             </a:r>
           </a:p>
           <a:p>
@@ -9214,8 +9504,13 @@
             </a:pPr>
             <a:r>
               <a:rPr lang="en-US" dirty="0" smtClean="0"/>
-              <a:t> This alignment competes with thermal excitations.</a:t>
-            </a:r>
+              <a:t> This alignment competes with thermal </a:t>
+            </a:r>
+            <a:r>
+              <a:rPr lang="en-US" dirty="0" smtClean="0"/>
+              <a:t>excitations</a:t>
+            </a:r>
+            <a:endParaRPr lang="en-US" dirty="0" smtClean="0"/>
           </a:p>
           <a:p>
             <a:pPr>
@@ -9858,7 +10153,11 @@
             </a:pPr>
             <a:r>
               <a:rPr lang="en-US" dirty="0" smtClean="0"/>
-              <a:t>Opinion on the economy</a:t>
+              <a:t>Opinions </a:t>
+            </a:r>
+            <a:r>
+              <a:rPr lang="en-US" dirty="0" smtClean="0"/>
+              <a:t>on the economy</a:t>
             </a:r>
           </a:p>
           <a:p>
@@ -10140,7 +10439,7 @@
       </p:sp>
       <p:pic>
         <p:nvPicPr>
-          <p:cNvPr id="6" name="Picture 5"/>
+          <p:cNvPr id="3" name="Picture 2"/>
           <p:cNvPicPr>
             <a:picLocks noChangeAspect="1"/>
           </p:cNvPicPr>
@@ -10165,7 +10464,7 @@
         <p:spPr>
           <a:xfrm>
             <a:off x="2456385" y="2184399"/>
-            <a:ext cx="7340189" cy="1084952"/>
+            <a:ext cx="7189331" cy="1084952"/>
           </a:xfrm>
           <a:prstGeom prst="rect">
             <a:avLst/>
@@ -10896,7 +11195,7 @@
         </p:blipFill>
         <p:spPr>
           <a:xfrm>
-            <a:off x="8849088" y="5138458"/>
+            <a:off x="8849088" y="5078717"/>
             <a:ext cx="2901473" cy="852870"/>
           </a:xfrm>
           <a:prstGeom prst="rect">
@@ -11843,9 +12142,16 @@
             </a:pPr>
             <a:r>
               <a:rPr lang="en-US" dirty="0" smtClean="0"/>
-              <a:t> Simplify using normalization or probabilities, equilibrium conditions, and detailed balance</a:t>
-            </a:r>
-            <a:endParaRPr lang="en-US" dirty="0" smtClean="0"/>
+              <a:t> Simplify using normalization </a:t>
+            </a:r>
+            <a:r>
+              <a:rPr lang="en-US" dirty="0" smtClean="0"/>
+              <a:t>of </a:t>
+            </a:r>
+            <a:r>
+              <a:rPr lang="en-US" dirty="0" smtClean="0"/>
+              <a:t>probabilities, equilibrium conditions, and detailed balance</a:t>
+            </a:r>
           </a:p>
         </p:txBody>
       </p:sp>
@@ -12277,6 +12583,36 @@
           </a:p>
         </p:txBody>
       </p:sp>
+      <p:sp>
+        <p:nvSpPr>
+          <p:cNvPr id="11" name="TextBox 10"/>
+          <p:cNvSpPr txBox="1"/>
+          <p:nvPr/>
+        </p:nvSpPr>
+        <p:spPr>
+          <a:xfrm>
+            <a:off x="7772093" y="5662857"/>
+            <a:ext cx="3711225" cy="461665"/>
+          </a:xfrm>
+          <a:prstGeom prst="rect">
+            <a:avLst/>
+          </a:prstGeom>
+          <a:noFill/>
+        </p:spPr>
+        <p:txBody>
+          <a:bodyPr wrap="square" rtlCol="0">
+            <a:spAutoFit/>
+          </a:bodyPr>
+          <a:lstStyle/>
+          <a:p>
+            <a:r>
+              <a:rPr lang="en-US" sz="1200" dirty="0" smtClean="0"/>
+              <a:t>Hjorth-Jensen, Morten.  Computational Physics, Lecture Notes Fall 2015.</a:t>
+            </a:r>
+            <a:endParaRPr lang="en-US" sz="1200" dirty="0"/>
+          </a:p>
+        </p:txBody>
+      </p:sp>
     </p:spTree>
     <p:extLst>
       <p:ext uri="{BB962C8B-B14F-4D97-AF65-F5344CB8AC3E}">
@@ -12396,6 +12732,33 @@
                                   </p:childTnLst>
                                 </p:cTn>
                               </p:par>
+                              <p:par>
+                                <p:cTn id="11" presetID="1" presetClass="entr" presetSubtype="0" fill="hold" grpId="0" nodeType="withEffect">
+                                  <p:stCondLst>
+                                    <p:cond delay="0"/>
+                                  </p:stCondLst>
+                                  <p:childTnLst>
+                                    <p:set>
+                                      <p:cBhvr>
+                                        <p:cTn id="12" dur="1" fill="hold">
+                                          <p:stCondLst>
+                                            <p:cond delay="0"/>
+                                          </p:stCondLst>
+                                        </p:cTn>
+                                        <p:tgtEl>
+                                          <p:spTgt spid="11"/>
+                                        </p:tgtEl>
+                                        <p:attrNameLst>
+                                          <p:attrName>style.visibility</p:attrName>
+                                        </p:attrNameLst>
+                                      </p:cBhvr>
+                                      <p:to>
+                                        <p:strVal val="visible"/>
+                                      </p:to>
+                                    </p:set>
+                                  </p:childTnLst>
+                                </p:cTn>
+                              </p:par>
                             </p:childTnLst>
                           </p:cTn>
                         </p:par>
@@ -12425,6 +12788,7 @@
     </p:tnLst>
     <p:bldLst>
       <p:bldP spid="3" grpId="0" uiExpand="1" build="p"/>
+      <p:bldP spid="11" grpId="0"/>
     </p:bldLst>
   </p:timing>
 </p:sld>
@@ -12657,6 +13021,36 @@
           </a:prstGeom>
         </p:spPr>
       </p:pic>
+      <p:sp>
+        <p:nvSpPr>
+          <p:cNvPr id="7" name="TextBox 6"/>
+          <p:cNvSpPr txBox="1"/>
+          <p:nvPr/>
+        </p:nvSpPr>
+        <p:spPr>
+          <a:xfrm>
+            <a:off x="7772093" y="5662857"/>
+            <a:ext cx="3711225" cy="461665"/>
+          </a:xfrm>
+          <a:prstGeom prst="rect">
+            <a:avLst/>
+          </a:prstGeom>
+          <a:noFill/>
+        </p:spPr>
+        <p:txBody>
+          <a:bodyPr wrap="square" rtlCol="0">
+            <a:spAutoFit/>
+          </a:bodyPr>
+          <a:lstStyle/>
+          <a:p>
+            <a:r>
+              <a:rPr lang="en-US" sz="1200" dirty="0" smtClean="0"/>
+              <a:t>Hjorth-Jensen, Morten.  Computational Physics, Lecture Notes Fall 2015.</a:t>
+            </a:r>
+            <a:endParaRPr lang="en-US" sz="1200" dirty="0"/>
+          </a:p>
+        </p:txBody>
+      </p:sp>
     </p:spTree>
     <p:extLst>
       <p:ext uri="{BB962C8B-B14F-4D97-AF65-F5344CB8AC3E}">
@@ -12670,9 +13064,83 @@
   <p:timing>
     <p:tnLst>
       <p:par>
-        <p:cTn id="1" dur="indefinite" restart="never" nodeType="tmRoot"/>
+        <p:cTn id="1" dur="indefinite" restart="never" nodeType="tmRoot">
+          <p:childTnLst>
+            <p:seq concurrent="1" nextAc="seek">
+              <p:cTn id="2" dur="indefinite" nodeType="mainSeq">
+                <p:childTnLst>
+                  <p:par>
+                    <p:cTn id="3" fill="hold">
+                      <p:stCondLst>
+                        <p:cond delay="indefinite"/>
+                        <p:cond evt="onBegin" delay="0">
+                          <p:tn val="2"/>
+                        </p:cond>
+                      </p:stCondLst>
+                      <p:childTnLst>
+                        <p:par>
+                          <p:cTn id="4" fill="hold">
+                            <p:stCondLst>
+                              <p:cond delay="0"/>
+                            </p:stCondLst>
+                            <p:childTnLst>
+                              <p:par>
+                                <p:cTn id="5" presetID="1" presetClass="entr" presetSubtype="0" fill="hold" grpId="0" nodeType="withEffect">
+                                  <p:stCondLst>
+                                    <p:cond delay="0"/>
+                                  </p:stCondLst>
+                                  <p:childTnLst>
+                                    <p:set>
+                                      <p:cBhvr>
+                                        <p:cTn id="6" dur="1" fill="hold">
+                                          <p:stCondLst>
+                                            <p:cond delay="0"/>
+                                          </p:stCondLst>
+                                        </p:cTn>
+                                        <p:tgtEl>
+                                          <p:spTgt spid="7"/>
+                                        </p:tgtEl>
+                                        <p:attrNameLst>
+                                          <p:attrName>style.visibility</p:attrName>
+                                        </p:attrNameLst>
+                                      </p:cBhvr>
+                                      <p:to>
+                                        <p:strVal val="visible"/>
+                                      </p:to>
+                                    </p:set>
+                                  </p:childTnLst>
+                                </p:cTn>
+                              </p:par>
+                            </p:childTnLst>
+                          </p:cTn>
+                        </p:par>
+                      </p:childTnLst>
+                    </p:cTn>
+                  </p:par>
+                </p:childTnLst>
+              </p:cTn>
+              <p:prevCondLst>
+                <p:cond evt="onPrev" delay="0">
+                  <p:tgtEl>
+                    <p:sldTgt/>
+                  </p:tgtEl>
+                </p:cond>
+              </p:prevCondLst>
+              <p:nextCondLst>
+                <p:cond evt="onNext" delay="0">
+                  <p:tgtEl>
+                    <p:sldTgt/>
+                  </p:tgtEl>
+                </p:cond>
+              </p:nextCondLst>
+            </p:seq>
+          </p:childTnLst>
+        </p:cTn>
       </p:par>
     </p:tnLst>
+    <p:bldLst>
+      <p:bldP spid="7" grpId="0"/>
+    </p:bldLst>
   </p:timing>
 </p:sld>
 </file>
@@ -12856,11 +13324,11 @@
 <file path=ppt/tags/tag2.xml><?xml version="1.0" encoding="utf-8"?>
 <p:tagLst xmlns:a="http://schemas.openxmlformats.org/drawingml/2006/main" xmlns:r="http://schemas.openxmlformats.org/officeDocument/2006/relationships" xmlns:p="http://schemas.openxmlformats.org/presentationml/2006/main">
   <p:tag name="ORIGINALHEIGHT" val="533.9332"/>
-  <p:tag name="ORIGINALWIDTH" val="3612.299"/>
+  <p:tag name="ORIGINALWIDTH" val="3538.058"/>
   <p:tag name="OUTPUTDPI" val="1200"/>
-  <p:tag name="LATEXADDIN" val="\documentclass{article}&#10;\usepackage{amsmath}&#10;\pagestyle{empty}&#10;\begin{document}&#10;&#10;\begin{equation*}&#10;\begin{split}&#10;&amp;\begin{smallmatrix} -&amp;-\\ -&amp;- \end{smallmatrix}&#10;\qquad&#10;\begin{smallmatrix} +&amp;-\\ -&amp;- \end{smallmatrix}&#10;\qquad&#10;\begin{smallmatrix} -&amp;-\\ -&amp;+ \end{smallmatrix}&#10;\qquad&#10;\begin{smallmatrix} +&amp;+\\ -&amp;- \end{smallmatrix}&#10;\qquad&#10;\begin{smallmatrix} +&amp;-\\ +&amp;- \end{smallmatrix}&#10;\qquad&#10;\begin{smallmatrix} +&amp;-\\ -&amp;+ \end{smallmatrix}&#10;\qquad&#10;\begin{smallmatrix} +&amp;+\\ +&amp;- \end{smallmatrix}&#10;\qquad&#10;\begin{smallmatrix} +&amp;-\\ +&amp;+ \end{smallmatrix} \\ &#10;\\&#10;&amp;\begin{smallmatrix} +&amp;+\\ +&amp;+ \end{smallmatrix}&#10;\qquad&#10;\begin{smallmatrix} -&amp;+\\ -&amp;- \end{smallmatrix}&#10;\qquad&#10;\begin{smallmatrix} -&amp;-\\ +&amp;- \end{smallmatrix}&#10;\qquad&#10;\begin{smallmatrix} -&amp;-\\ +&amp;+ \end{smallmatrix}&#10;\qquad&#10;\begin{smallmatrix} -&amp;+\\ -&amp;+ \end{smallmatrix}&#10;\qquad&#10;\begin{smallmatrix} -&amp;+\\+-&amp;- \end{smallmatrix}&#10;\qquad&#10;\begin{smallmatrix} +&amp;+\\ -&amp;+ \end{smallmatrix}&#10;\qquad&#10;\begin{smallmatrix} -&amp;+\\ +&amp;+\end{smallmatrix} &#10;\end{split}&#10;\end{equation*}&#10;&#10;&#10;&#10;\end{document}"/>
+  <p:tag name="LATEXADDIN" val="\documentclass{article}&#10;\usepackage{amsmath}&#10;\pagestyle{empty}&#10;\begin{document}&#10;&#10;\begin{equation*}&#10;\begin{split}&#10;&amp;\begin{smallmatrix} -&amp;-\\ -&amp;- \end{smallmatrix}&#10;\qquad&#10;\begin{smallmatrix} +&amp;-\\ -&amp;- \end{smallmatrix}&#10;\qquad&#10;\begin{smallmatrix} -&amp;-\\ -&amp;+ \end{smallmatrix}&#10;\qquad&#10;\begin{smallmatrix} +&amp;+\\ -&amp;- \end{smallmatrix}&#10;\qquad&#10;\begin{smallmatrix} +&amp;-\\ +&amp;- \end{smallmatrix}&#10;\qquad&#10;\begin{smallmatrix} +&amp;-\\ -&amp;+ \end{smallmatrix}&#10;\qquad&#10;\begin{smallmatrix} +&amp;+\\ +&amp;- \end{smallmatrix}&#10;\qquad&#10;\begin{smallmatrix} +&amp;-\\ +&amp;+ \end{smallmatrix} \\ &#10;\\&#10;&amp;\begin{smallmatrix} +&amp;+\\ +&amp;+ \end{smallmatrix}&#10;\qquad&#10;\begin{smallmatrix} -&amp;+\\ -&amp;- \end{smallmatrix}&#10;\qquad&#10;\begin{smallmatrix} -&amp;-\\ +&amp;- \end{smallmatrix}&#10;\qquad&#10;\begin{smallmatrix} -&amp;-\\ +&amp;+ \end{smallmatrix}&#10;\qquad&#10;\begin{smallmatrix} -&amp;+\\ -&amp;+ \end{smallmatrix}&#10;\qquad&#10;\begin{smallmatrix} -&amp;+\\+&amp;- \end{smallmatrix}&#10;\qquad&#10;\begin{smallmatrix} +&amp;+\\ -&amp;+ \end{smallmatrix}&#10;\qquad&#10;\begin{smallmatrix} -&amp;+\\ +&amp;+\end{smallmatrix} &#10;\end{split}&#10;\end{equation*}&#10;&#10;&#10;&#10;\end{document}"/>
   <p:tag name="IGUANATEXSIZE" val="20"/>
-  <p:tag name="IGUANATEXCURSOR" val="553"/>
+  <p:tag name="IGUANATEXCURSOR" val="856"/>
   <p:tag name="TRANSPARENCY" val="True"/>
   <p:tag name="FILENAME" val=""/>
   <p:tag name="INPUTTYPE" val="0"/>
